--- a/Capturing_XYZRGB_data_with_Microsoft_Kinect.pptx
+++ b/Capturing_XYZRGB_data_with_Microsoft_Kinect.pptx
@@ -111,6 +111,11 @@
       </a:defRPr>
     </a:lvl9pPr>
   </p:defaultTextStyle>
+  <p:extLst>
+    <p:ext uri="{EFAFB233-063F-42B5-8137-9DF3F51BA10A}">
+      <p15:sldGuideLst xmlns:p15="http://schemas.microsoft.com/office/powerpoint/2012/main"/>
+    </p:ext>
+  </p:extLst>
 </p:presentation>
 </file>
 
@@ -159,7 +164,6 @@
               <a:rPr lang="en-US"/>
               <a:t>Click to edit Master title style</a:t>
             </a:r>
-            <a:endParaRPr lang="en-US"/>
           </a:p>
         </p:txBody>
       </p:sp>
@@ -224,7 +228,6 @@
               <a:rPr lang="en-US"/>
               <a:t>Click to edit Master subtitle style</a:t>
             </a:r>
-            <a:endParaRPr lang="en-US"/>
           </a:p>
         </p:txBody>
       </p:sp>
@@ -342,7 +345,6 @@
               <a:rPr lang="en-US"/>
               <a:t>Click to edit Master title style</a:t>
             </a:r>
-            <a:endParaRPr lang="en-US"/>
           </a:p>
         </p:txBody>
       </p:sp>
@@ -394,7 +396,6 @@
               <a:rPr lang="en-US"/>
               <a:t>Fifth level</a:t>
             </a:r>
-            <a:endParaRPr lang="en-US"/>
           </a:p>
         </p:txBody>
       </p:sp>
@@ -517,7 +518,6 @@
               <a:rPr lang="en-US"/>
               <a:t>Click to edit Master title style</a:t>
             </a:r>
-            <a:endParaRPr lang="en-US"/>
           </a:p>
         </p:txBody>
       </p:sp>
@@ -574,7 +574,6 @@
               <a:rPr lang="en-US"/>
               <a:t>Fifth level</a:t>
             </a:r>
-            <a:endParaRPr lang="en-US"/>
           </a:p>
         </p:txBody>
       </p:sp>
@@ -692,7 +691,6 @@
               <a:rPr lang="en-US"/>
               <a:t>Click to edit Master title style</a:t>
             </a:r>
-            <a:endParaRPr lang="en-US"/>
           </a:p>
         </p:txBody>
       </p:sp>
@@ -744,7 +742,6 @@
               <a:rPr lang="en-US"/>
               <a:t>Fifth level</a:t>
             </a:r>
-            <a:endParaRPr lang="en-US"/>
           </a:p>
         </p:txBody>
       </p:sp>
@@ -871,7 +868,6 @@
               <a:rPr lang="en-US"/>
               <a:t>Click to edit Master title style</a:t>
             </a:r>
-            <a:endParaRPr lang="en-US"/>
           </a:p>
         </p:txBody>
       </p:sp>
@@ -1108,7 +1104,6 @@
               <a:rPr lang="en-US"/>
               <a:t>Click to edit Master title style</a:t>
             </a:r>
-            <a:endParaRPr lang="en-US"/>
           </a:p>
         </p:txBody>
       </p:sp>
@@ -1165,7 +1160,6 @@
               <a:rPr lang="en-US"/>
               <a:t>Fifth level</a:t>
             </a:r>
-            <a:endParaRPr lang="en-US"/>
           </a:p>
         </p:txBody>
       </p:sp>
@@ -1222,7 +1216,6 @@
               <a:rPr lang="en-US"/>
               <a:t>Fifth level</a:t>
             </a:r>
-            <a:endParaRPr lang="en-US"/>
           </a:p>
         </p:txBody>
       </p:sp>
@@ -1345,7 +1338,6 @@
               <a:rPr lang="en-US"/>
               <a:t>Click to edit Master title style</a:t>
             </a:r>
-            <a:endParaRPr lang="en-US"/>
           </a:p>
         </p:txBody>
       </p:sp>
@@ -1467,7 +1459,6 @@
               <a:rPr lang="en-US"/>
               <a:t>Fifth level</a:t>
             </a:r>
-            <a:endParaRPr lang="en-US"/>
           </a:p>
         </p:txBody>
       </p:sp>
@@ -1589,7 +1580,6 @@
               <a:rPr lang="en-US"/>
               <a:t>Fifth level</a:t>
             </a:r>
-            <a:endParaRPr lang="en-US"/>
           </a:p>
         </p:txBody>
       </p:sp>
@@ -1707,7 +1697,6 @@
               <a:rPr lang="en-US"/>
               <a:t>Click to edit Master title style</a:t>
             </a:r>
-            <a:endParaRPr lang="en-US"/>
           </a:p>
         </p:txBody>
       </p:sp>
@@ -1929,7 +1918,6 @@
               <a:rPr lang="en-US"/>
               <a:t>Click to edit Master title style</a:t>
             </a:r>
-            <a:endParaRPr lang="en-US"/>
           </a:p>
         </p:txBody>
       </p:sp>
@@ -2014,7 +2002,6 @@
               <a:rPr lang="en-US"/>
               <a:t>Fifth level</a:t>
             </a:r>
-            <a:endParaRPr lang="en-US"/>
           </a:p>
         </p:txBody>
       </p:sp>
@@ -2206,7 +2193,6 @@
               <a:rPr lang="en-US"/>
               <a:t>Click to edit Master title style</a:t>
             </a:r>
-            <a:endParaRPr lang="en-US"/>
           </a:p>
         </p:txBody>
       </p:sp>
@@ -2465,7 +2451,6 @@
               <a:rPr lang="en-US"/>
               <a:t>Click to edit Master title style</a:t>
             </a:r>
-            <a:endParaRPr lang="en-US"/>
           </a:p>
         </p:txBody>
       </p:sp>
@@ -2527,7 +2512,6 @@
               <a:rPr lang="en-US"/>
               <a:t>Fifth level</a:t>
             </a:r>
-            <a:endParaRPr lang="en-US"/>
           </a:p>
         </p:txBody>
       </p:sp>
@@ -2999,7 +2983,6 @@
               <a:rPr lang="en-US" dirty="0"/>
               <a:t>Capturing XYZRGB data using Microsoft Kinect</a:t>
             </a:r>
-            <a:endParaRPr lang="en-US" dirty="0"/>
           </a:p>
         </p:txBody>
       </p:sp>
@@ -3151,7 +3134,6 @@
               <a:rPr lang="en-US" dirty="0"/>
               <a:t>(https://msdn.microsoft.com/en-us/library/jj131033.aspx)</a:t>
             </a:r>
-            <a:endParaRPr lang="en-US" dirty="0"/>
           </a:p>
         </p:txBody>
       </p:sp>
@@ -4108,7 +4090,6 @@
               <a:rPr lang="en-US" dirty="0"/>
               <a:t>(https://msdn.microsoft.com/en-us/library/dn785530.aspx)</a:t>
             </a:r>
-            <a:endParaRPr lang="en-US" dirty="0"/>
           </a:p>
         </p:txBody>
       </p:sp>
@@ -4208,7 +4189,6 @@
               <a:rPr lang="en-US" dirty="0"/>
               <a:t>(https://msdn.microsoft.com/en-us/library/hh973078.aspx)</a:t>
             </a:r>
-            <a:endParaRPr lang="en-US" dirty="0"/>
           </a:p>
         </p:txBody>
       </p:sp>
@@ -4237,7 +4217,6 @@
               <a:rPr lang="en-US" dirty="0"/>
               <a:t>The Kinect depth sensor range is: minimum 800mm and maximum 4000mm. The Kinect for Windows Hardware can however be switched to Near Mode which provides a range of 500mm to 3000mm instead of the Default range (https://msdn.microsoft.com/en-us/library/hh438998.aspx).</a:t>
             </a:r>
-            <a:endParaRPr lang="en-US" dirty="0"/>
           </a:p>
         </p:txBody>
       </p:sp>
@@ -4295,11 +4274,7 @@
           <a:p>
             <a:r>
               <a:rPr lang="en-US" dirty="0"/>
-              <a:t>A basic sample application </a:t>
-            </a:r>
-            <a:r>
-              <a:rPr lang="en-US" dirty="0"/>
-              <a:t>using Microsoft Kinect and Microsoft Kinect SDK to capture XYZRGB data can be found at  </a:t>
+              <a:t>A basic sample application using Microsoft Kinect and Microsoft Kinect SDK to capture XYZRGB data can be found at  </a:t>
             </a:r>
             <a:r>
               <a:rPr lang="en-US" dirty="0">
@@ -4325,7 +4300,6 @@
               <a:rPr lang="en-US" dirty="0"/>
               <a:t> Viewer (pointcloudviz.com):</a:t>
             </a:r>
-            <a:endParaRPr lang="en-US" dirty="0"/>
           </a:p>
         </p:txBody>
       </p:sp>
@@ -4378,7 +4352,6 @@
               <a:rPr lang="en-US" dirty="0"/>
               <a:t>A hand holding a cup</a:t>
             </a:r>
-            <a:endParaRPr lang="en-US" dirty="0"/>
           </a:p>
         </p:txBody>
       </p:sp>
@@ -4454,7 +4427,15 @@
           <a:p>
             <a:r>
               <a:rPr lang="en-US" dirty="0"/>
-              <a:t>A basic robotic tasks are localization and mapping (LAM), which are often combined into simultaneous LAM (SLAM).</a:t>
+              <a:t>A basic robotic task </a:t>
+            </a:r>
+            <a:r>
+              <a:rPr lang="en-US"/>
+              <a:t>is the localization </a:t>
+            </a:r>
+            <a:r>
+              <a:rPr lang="en-US" dirty="0"/>
+              <a:t>and mapping (LAM), which are often combined into simultaneous LAM (SLAM).</a:t>
             </a:r>
           </a:p>
           <a:p>
@@ -4488,11 +4469,7 @@
             </a:r>
             <a:r>
               <a:rPr lang="en-US" dirty="0"/>
-              <a:t>=f(X)  and </a:t>
-            </a:r>
-            <a:r>
-              <a:rPr lang="en-US" dirty="0"/>
-              <a:t> Z=h(X), where X is the system state and Z is the observation. </a:t>
+              <a:t>=f(X)  and  Z=h(X), where X is the system state and Z is the observation. </a:t>
             </a:r>
           </a:p>
           <a:p>
